--- a/01-Introduction-into-Development.pptx
+++ b/01-Introduction-into-Development.pptx
@@ -215,7 +215,7 @@
           <a:p>
             <a:fld id="{2E054F57-E93D-4CC3-8A27-2F256E70BB98}" type="datetimeFigureOut">
               <a:rPr lang="en-US" smtClean="0"/>
-              <a:t>12 Jul 15</a:t>
+              <a:t>16 Jul 15</a:t>
             </a:fld>
             <a:endParaRPr lang="en-US"/>
           </a:p>
@@ -748,7 +748,7 @@
           <a:p>
             <a:fld id="{3EA744D9-3FBE-48D8-BF2A-85DF203E4D20}" type="datetimeFigureOut">
               <a:rPr lang="bg-BG" smtClean="0"/>
-              <a:t>12.7.2015 г.</a:t>
+              <a:t>16.7.2015 г.</a:t>
             </a:fld>
             <a:endParaRPr lang="bg-BG"/>
           </a:p>
@@ -918,7 +918,7 @@
           <a:p>
             <a:fld id="{3EA744D9-3FBE-48D8-BF2A-85DF203E4D20}" type="datetimeFigureOut">
               <a:rPr lang="bg-BG" smtClean="0"/>
-              <a:t>12.7.2015 г.</a:t>
+              <a:t>16.7.2015 г.</a:t>
             </a:fld>
             <a:endParaRPr lang="bg-BG"/>
           </a:p>
@@ -1098,7 +1098,7 @@
           <a:p>
             <a:fld id="{3EA744D9-3FBE-48D8-BF2A-85DF203E4D20}" type="datetimeFigureOut">
               <a:rPr lang="bg-BG" smtClean="0"/>
-              <a:t>12.7.2015 г.</a:t>
+              <a:t>16.7.2015 г.</a:t>
             </a:fld>
             <a:endParaRPr lang="bg-BG"/>
           </a:p>
@@ -1268,7 +1268,7 @@
           <a:p>
             <a:fld id="{3EA744D9-3FBE-48D8-BF2A-85DF203E4D20}" type="datetimeFigureOut">
               <a:rPr lang="bg-BG" smtClean="0"/>
-              <a:t>12.7.2015 г.</a:t>
+              <a:t>16.7.2015 г.</a:t>
             </a:fld>
             <a:endParaRPr lang="bg-BG"/>
           </a:p>
@@ -1514,7 +1514,7 @@
           <a:p>
             <a:fld id="{3EA744D9-3FBE-48D8-BF2A-85DF203E4D20}" type="datetimeFigureOut">
               <a:rPr lang="bg-BG" smtClean="0"/>
-              <a:t>12.7.2015 г.</a:t>
+              <a:t>16.7.2015 г.</a:t>
             </a:fld>
             <a:endParaRPr lang="bg-BG"/>
           </a:p>
@@ -1802,7 +1802,7 @@
           <a:p>
             <a:fld id="{3EA744D9-3FBE-48D8-BF2A-85DF203E4D20}" type="datetimeFigureOut">
               <a:rPr lang="bg-BG" smtClean="0"/>
-              <a:t>12.7.2015 г.</a:t>
+              <a:t>16.7.2015 г.</a:t>
             </a:fld>
             <a:endParaRPr lang="bg-BG"/>
           </a:p>
@@ -2224,7 +2224,7 @@
           <a:p>
             <a:fld id="{3EA744D9-3FBE-48D8-BF2A-85DF203E4D20}" type="datetimeFigureOut">
               <a:rPr lang="bg-BG" smtClean="0"/>
-              <a:t>12.7.2015 г.</a:t>
+              <a:t>16.7.2015 г.</a:t>
             </a:fld>
             <a:endParaRPr lang="bg-BG"/>
           </a:p>
@@ -2342,7 +2342,7 @@
           <a:p>
             <a:fld id="{3EA744D9-3FBE-48D8-BF2A-85DF203E4D20}" type="datetimeFigureOut">
               <a:rPr lang="bg-BG" smtClean="0"/>
-              <a:t>12.7.2015 г.</a:t>
+              <a:t>16.7.2015 г.</a:t>
             </a:fld>
             <a:endParaRPr lang="bg-BG"/>
           </a:p>
@@ -2437,7 +2437,7 @@
           <a:p>
             <a:fld id="{3EA744D9-3FBE-48D8-BF2A-85DF203E4D20}" type="datetimeFigureOut">
               <a:rPr lang="bg-BG" smtClean="0"/>
-              <a:t>12.7.2015 г.</a:t>
+              <a:t>16.7.2015 г.</a:t>
             </a:fld>
             <a:endParaRPr lang="bg-BG"/>
           </a:p>
@@ -2714,7 +2714,7 @@
           <a:p>
             <a:fld id="{3EA744D9-3FBE-48D8-BF2A-85DF203E4D20}" type="datetimeFigureOut">
               <a:rPr lang="bg-BG" smtClean="0"/>
-              <a:t>12.7.2015 г.</a:t>
+              <a:t>16.7.2015 г.</a:t>
             </a:fld>
             <a:endParaRPr lang="bg-BG"/>
           </a:p>
@@ -2967,7 +2967,7 @@
           <a:p>
             <a:fld id="{3EA744D9-3FBE-48D8-BF2A-85DF203E4D20}" type="datetimeFigureOut">
               <a:rPr lang="bg-BG" smtClean="0"/>
-              <a:t>12.7.2015 г.</a:t>
+              <a:t>16.7.2015 г.</a:t>
             </a:fld>
             <a:endParaRPr lang="bg-BG"/>
           </a:p>
@@ -3189,7 +3189,7 @@
           <a:p>
             <a:fld id="{3EA744D9-3FBE-48D8-BF2A-85DF203E4D20}" type="datetimeFigureOut">
               <a:rPr lang="bg-BG" smtClean="0"/>
-              <a:t>12.7.2015 г.</a:t>
+              <a:t>16.7.2015 г.</a:t>
             </a:fld>
             <a:endParaRPr lang="bg-BG"/>
           </a:p>
@@ -3582,12 +3582,36 @@
           <a:lstStyle/>
           <a:p>
             <a:r>
+              <a:rPr lang="bg-BG" smtClean="0">
+                <a:solidFill>
+                  <a:schemeClr val="accent6"/>
+                </a:solidFill>
+              </a:rPr>
+              <a:t>Уво</a:t>
+            </a:r>
+            <a:r>
+              <a:rPr lang="bg-BG">
+                <a:solidFill>
+                  <a:schemeClr val="accent6"/>
+                </a:solidFill>
+              </a:rPr>
+              <a:t>д</a:t>
+            </a:r>
+            <a:r>
+              <a:rPr lang="bg-BG" smtClean="0">
+                <a:solidFill>
+                  <a:schemeClr val="accent6"/>
+                </a:solidFill>
+              </a:rPr>
+              <a:t> </a:t>
+            </a:r>
+            <a:r>
               <a:rPr lang="bg-BG" dirty="0" smtClean="0">
                 <a:solidFill>
                   <a:schemeClr val="accent6"/>
                 </a:solidFill>
               </a:rPr>
-              <a:t>Увод в програмирането</a:t>
+              <a:t>в програмирането</a:t>
             </a:r>
             <a:endParaRPr lang="bg-BG" dirty="0">
               <a:solidFill>
@@ -4519,13 +4543,6 @@
               </a:rPr>
               <a:t>по желание)</a:t>
             </a:r>
-            <a:endParaRPr lang="bg-BG" dirty="0" smtClean="0">
-              <a:solidFill>
-                <a:schemeClr val="bg1">
-                  <a:lumMod val="95000"/>
-                </a:schemeClr>
-              </a:solidFill>
-            </a:endParaRPr>
           </a:p>
           <a:p>
             <a:pPr marL="0" indent="0">

--- a/01-Introduction-into-Development.pptx
+++ b/01-Introduction-into-Development.pptx
@@ -77,10 +77,10 @@
         <a:latin typeface="+mj-lt"/>
         <a:ea typeface="+mj-ea"/>
         <a:cs typeface="+mj-cs"/>
-        <a:sym typeface="Calibri"/>
+        <a:sym typeface="Helvetica"/>
       </a:defRPr>
     </a:lvl1pPr>
-    <a:lvl2pPr marL="0" marR="0" indent="457200" algn="l" defTabSz="914400" rtl="0" fontAlgn="auto" latinLnBrk="0" hangingPunct="0">
+    <a:lvl2pPr marL="0" marR="0" indent="0" algn="l" defTabSz="914400" rtl="0" fontAlgn="auto" latinLnBrk="0" hangingPunct="0">
       <a:lnSpc>
         <a:spcPct val="100000"/>
       </a:lnSpc>
@@ -107,10 +107,10 @@
         <a:latin typeface="+mj-lt"/>
         <a:ea typeface="+mj-ea"/>
         <a:cs typeface="+mj-cs"/>
-        <a:sym typeface="Calibri"/>
+        <a:sym typeface="Helvetica"/>
       </a:defRPr>
     </a:lvl2pPr>
-    <a:lvl3pPr marL="0" marR="0" indent="914400" algn="l" defTabSz="914400" rtl="0" fontAlgn="auto" latinLnBrk="0" hangingPunct="0">
+    <a:lvl3pPr marL="0" marR="0" indent="0" algn="l" defTabSz="914400" rtl="0" fontAlgn="auto" latinLnBrk="0" hangingPunct="0">
       <a:lnSpc>
         <a:spcPct val="100000"/>
       </a:lnSpc>
@@ -137,10 +137,10 @@
         <a:latin typeface="+mj-lt"/>
         <a:ea typeface="+mj-ea"/>
         <a:cs typeface="+mj-cs"/>
-        <a:sym typeface="Calibri"/>
+        <a:sym typeface="Helvetica"/>
       </a:defRPr>
     </a:lvl3pPr>
-    <a:lvl4pPr marL="0" marR="0" indent="1371600" algn="l" defTabSz="914400" rtl="0" fontAlgn="auto" latinLnBrk="0" hangingPunct="0">
+    <a:lvl4pPr marL="0" marR="0" indent="0" algn="l" defTabSz="914400" rtl="0" fontAlgn="auto" latinLnBrk="0" hangingPunct="0">
       <a:lnSpc>
         <a:spcPct val="100000"/>
       </a:lnSpc>
@@ -167,10 +167,10 @@
         <a:latin typeface="+mj-lt"/>
         <a:ea typeface="+mj-ea"/>
         <a:cs typeface="+mj-cs"/>
-        <a:sym typeface="Calibri"/>
+        <a:sym typeface="Helvetica"/>
       </a:defRPr>
     </a:lvl4pPr>
-    <a:lvl5pPr marL="0" marR="0" indent="1828800" algn="l" defTabSz="914400" rtl="0" fontAlgn="auto" latinLnBrk="0" hangingPunct="0">
+    <a:lvl5pPr marL="0" marR="0" indent="0" algn="l" defTabSz="914400" rtl="0" fontAlgn="auto" latinLnBrk="0" hangingPunct="0">
       <a:lnSpc>
         <a:spcPct val="100000"/>
       </a:lnSpc>
@@ -197,10 +197,10 @@
         <a:latin typeface="+mj-lt"/>
         <a:ea typeface="+mj-ea"/>
         <a:cs typeface="+mj-cs"/>
-        <a:sym typeface="Calibri"/>
+        <a:sym typeface="Helvetica"/>
       </a:defRPr>
     </a:lvl5pPr>
-    <a:lvl6pPr marL="0" marR="0" indent="2286000" algn="l" defTabSz="914400" rtl="0" fontAlgn="auto" latinLnBrk="0" hangingPunct="0">
+    <a:lvl6pPr marL="0" marR="0" indent="0" algn="l" defTabSz="914400" rtl="0" fontAlgn="auto" latinLnBrk="0" hangingPunct="0">
       <a:lnSpc>
         <a:spcPct val="100000"/>
       </a:lnSpc>
@@ -227,10 +227,10 @@
         <a:latin typeface="+mj-lt"/>
         <a:ea typeface="+mj-ea"/>
         <a:cs typeface="+mj-cs"/>
-        <a:sym typeface="Calibri"/>
+        <a:sym typeface="Helvetica"/>
       </a:defRPr>
     </a:lvl6pPr>
-    <a:lvl7pPr marL="0" marR="0" indent="2743200" algn="l" defTabSz="914400" rtl="0" fontAlgn="auto" latinLnBrk="0" hangingPunct="0">
+    <a:lvl7pPr marL="0" marR="0" indent="0" algn="l" defTabSz="914400" rtl="0" fontAlgn="auto" latinLnBrk="0" hangingPunct="0">
       <a:lnSpc>
         <a:spcPct val="100000"/>
       </a:lnSpc>
@@ -257,10 +257,10 @@
         <a:latin typeface="+mj-lt"/>
         <a:ea typeface="+mj-ea"/>
         <a:cs typeface="+mj-cs"/>
-        <a:sym typeface="Calibri"/>
+        <a:sym typeface="Helvetica"/>
       </a:defRPr>
     </a:lvl7pPr>
-    <a:lvl8pPr marL="0" marR="0" indent="3200400" algn="l" defTabSz="914400" rtl="0" fontAlgn="auto" latinLnBrk="0" hangingPunct="0">
+    <a:lvl8pPr marL="0" marR="0" indent="0" algn="l" defTabSz="914400" rtl="0" fontAlgn="auto" latinLnBrk="0" hangingPunct="0">
       <a:lnSpc>
         <a:spcPct val="100000"/>
       </a:lnSpc>
@@ -287,10 +287,10 @@
         <a:latin typeface="+mj-lt"/>
         <a:ea typeface="+mj-ea"/>
         <a:cs typeface="+mj-cs"/>
-        <a:sym typeface="Calibri"/>
+        <a:sym typeface="Helvetica"/>
       </a:defRPr>
     </a:lvl8pPr>
-    <a:lvl9pPr marL="0" marR="0" indent="3657600" algn="l" defTabSz="914400" rtl="0" fontAlgn="auto" latinLnBrk="0" hangingPunct="0">
+    <a:lvl9pPr marL="0" marR="0" indent="0" algn="l" defTabSz="914400" rtl="0" fontAlgn="auto" latinLnBrk="0" hangingPunct="0">
       <a:lnSpc>
         <a:spcPct val="100000"/>
       </a:lnSpc>
@@ -317,7 +317,7 @@
         <a:latin typeface="+mj-lt"/>
         <a:ea typeface="+mj-ea"/>
         <a:cs typeface="+mj-cs"/>
-        <a:sym typeface="Calibri"/>
+        <a:sym typeface="Helvetica"/>
       </a:defRPr>
     </a:lvl9pPr>
   </p:defaultTextStyle>
@@ -401,73 +401,73 @@
   <p:notesStyle>
     <a:lvl1pPr latinLnBrk="0">
       <a:defRPr sz="1200">
-        <a:latin typeface="+mj-lt"/>
-        <a:ea typeface="+mj-ea"/>
-        <a:cs typeface="+mj-cs"/>
+        <a:latin typeface="+mn-lt"/>
+        <a:ea typeface="+mn-ea"/>
+        <a:cs typeface="+mn-cs"/>
         <a:sym typeface="Calibri"/>
       </a:defRPr>
     </a:lvl1pPr>
     <a:lvl2pPr indent="228600" latinLnBrk="0">
       <a:defRPr sz="1200">
-        <a:latin typeface="+mj-lt"/>
-        <a:ea typeface="+mj-ea"/>
-        <a:cs typeface="+mj-cs"/>
+        <a:latin typeface="+mn-lt"/>
+        <a:ea typeface="+mn-ea"/>
+        <a:cs typeface="+mn-cs"/>
         <a:sym typeface="Calibri"/>
       </a:defRPr>
     </a:lvl2pPr>
     <a:lvl3pPr indent="457200" latinLnBrk="0">
       <a:defRPr sz="1200">
-        <a:latin typeface="+mj-lt"/>
-        <a:ea typeface="+mj-ea"/>
-        <a:cs typeface="+mj-cs"/>
+        <a:latin typeface="+mn-lt"/>
+        <a:ea typeface="+mn-ea"/>
+        <a:cs typeface="+mn-cs"/>
         <a:sym typeface="Calibri"/>
       </a:defRPr>
     </a:lvl3pPr>
     <a:lvl4pPr indent="685800" latinLnBrk="0">
       <a:defRPr sz="1200">
-        <a:latin typeface="+mj-lt"/>
-        <a:ea typeface="+mj-ea"/>
-        <a:cs typeface="+mj-cs"/>
+        <a:latin typeface="+mn-lt"/>
+        <a:ea typeface="+mn-ea"/>
+        <a:cs typeface="+mn-cs"/>
         <a:sym typeface="Calibri"/>
       </a:defRPr>
     </a:lvl4pPr>
     <a:lvl5pPr indent="914400" latinLnBrk="0">
       <a:defRPr sz="1200">
-        <a:latin typeface="+mj-lt"/>
-        <a:ea typeface="+mj-ea"/>
-        <a:cs typeface="+mj-cs"/>
+        <a:latin typeface="+mn-lt"/>
+        <a:ea typeface="+mn-ea"/>
+        <a:cs typeface="+mn-cs"/>
         <a:sym typeface="Calibri"/>
       </a:defRPr>
     </a:lvl5pPr>
     <a:lvl6pPr indent="1143000" latinLnBrk="0">
       <a:defRPr sz="1200">
-        <a:latin typeface="+mj-lt"/>
-        <a:ea typeface="+mj-ea"/>
-        <a:cs typeface="+mj-cs"/>
+        <a:latin typeface="+mn-lt"/>
+        <a:ea typeface="+mn-ea"/>
+        <a:cs typeface="+mn-cs"/>
         <a:sym typeface="Calibri"/>
       </a:defRPr>
     </a:lvl6pPr>
     <a:lvl7pPr indent="1371600" latinLnBrk="0">
       <a:defRPr sz="1200">
-        <a:latin typeface="+mj-lt"/>
-        <a:ea typeface="+mj-ea"/>
-        <a:cs typeface="+mj-cs"/>
+        <a:latin typeface="+mn-lt"/>
+        <a:ea typeface="+mn-ea"/>
+        <a:cs typeface="+mn-cs"/>
         <a:sym typeface="Calibri"/>
       </a:defRPr>
     </a:lvl7pPr>
     <a:lvl8pPr indent="1600200" latinLnBrk="0">
       <a:defRPr sz="1200">
-        <a:latin typeface="+mj-lt"/>
-        <a:ea typeface="+mj-ea"/>
-        <a:cs typeface="+mj-cs"/>
+        <a:latin typeface="+mn-lt"/>
+        <a:ea typeface="+mn-ea"/>
+        <a:cs typeface="+mn-cs"/>
         <a:sym typeface="Calibri"/>
       </a:defRPr>
     </a:lvl8pPr>
     <a:lvl9pPr indent="1828800" latinLnBrk="0">
       <a:defRPr sz="1200">
-        <a:latin typeface="+mj-lt"/>
-        <a:ea typeface="+mj-ea"/>
-        <a:cs typeface="+mj-cs"/>
+        <a:latin typeface="+mn-lt"/>
+        <a:ea typeface="+mn-ea"/>
+        <a:cs typeface="+mn-cs"/>
         <a:sym typeface="Calibri"/>
       </a:defRPr>
     </a:lvl9pPr>
@@ -550,7 +550,7 @@
                 </a:solidFill>
               </a:defRPr>
             </a:lvl1pPr>
-            <a:lvl2pPr marL="0" indent="457200" algn="ctr">
+            <a:lvl2pPr marL="0" indent="0" algn="ctr">
               <a:buSzTx/>
               <a:buFontTx/>
               <a:buNone/>
@@ -560,7 +560,7 @@
                 </a:solidFill>
               </a:defRPr>
             </a:lvl2pPr>
-            <a:lvl3pPr marL="0" indent="914400" algn="ctr">
+            <a:lvl3pPr marL="0" indent="0" algn="ctr">
               <a:buSzTx/>
               <a:buFontTx/>
               <a:buNone/>
@@ -570,7 +570,7 @@
                 </a:solidFill>
               </a:defRPr>
             </a:lvl3pPr>
-            <a:lvl4pPr marL="0" indent="1371600" algn="ctr">
+            <a:lvl4pPr marL="0" indent="0" algn="ctr">
               <a:buSzTx/>
               <a:buFontTx/>
               <a:buNone/>
@@ -580,7 +580,7 @@
                 </a:solidFill>
               </a:defRPr>
             </a:lvl4pPr>
-            <a:lvl5pPr marL="0" indent="1828800" algn="ctr">
+            <a:lvl5pPr marL="0" indent="0" algn="ctr">
               <a:buSzTx/>
               <a:buFontTx/>
               <a:buNone/>
@@ -802,7 +802,7 @@
         <p:spPr>
           <a:xfrm>
             <a:off x="6629400" y="274638"/>
-            <a:ext cx="2057400" cy="5851526"/>
+            <a:ext cx="2057400" cy="5851527"/>
           </a:xfrm>
           <a:prstGeom prst="rect">
             <a:avLst/>
@@ -830,7 +830,7 @@
         <p:spPr>
           <a:xfrm>
             <a:off x="457200" y="274638"/>
-            <a:ext cx="6019800" cy="5851526"/>
+            <a:ext cx="6019800" cy="5851527"/>
           </a:xfrm>
           <a:prstGeom prst="rect">
             <a:avLst/>
@@ -1202,7 +1202,7 @@
         <p:spPr>
           <a:xfrm>
             <a:off x="722312" y="2906713"/>
-            <a:ext cx="7772401" cy="1500188"/>
+            <a:ext cx="7772401" cy="1500189"/>
           </a:xfrm>
           <a:prstGeom prst="rect">
             <a:avLst/>
@@ -1224,7 +1224,7 @@
                 </a:solidFill>
               </a:defRPr>
             </a:lvl1pPr>
-            <a:lvl2pPr marL="0" indent="457200">
+            <a:lvl2pPr marL="0" indent="0">
               <a:spcBef>
                 <a:spcPts val="400"/>
               </a:spcBef>
@@ -1237,7 +1237,7 @@
                 </a:solidFill>
               </a:defRPr>
             </a:lvl2pPr>
-            <a:lvl3pPr marL="0" indent="914400">
+            <a:lvl3pPr marL="0" indent="0">
               <a:spcBef>
                 <a:spcPts val="400"/>
               </a:spcBef>
@@ -1250,7 +1250,7 @@
                 </a:solidFill>
               </a:defRPr>
             </a:lvl3pPr>
-            <a:lvl4pPr marL="0" indent="1371600">
+            <a:lvl4pPr marL="0" indent="0">
               <a:spcBef>
                 <a:spcPts val="400"/>
               </a:spcBef>
@@ -1263,7 +1263,7 @@
                 </a:solidFill>
               </a:defRPr>
             </a:lvl4pPr>
-            <a:lvl5pPr marL="0" indent="1828800">
+            <a:lvl5pPr marL="0" indent="0">
               <a:spcBef>
                 <a:spcPts val="400"/>
               </a:spcBef>
@@ -1413,7 +1413,7 @@
               </a:spcBef>
               <a:defRPr sz="2800"/>
             </a:lvl2pPr>
-            <a:lvl3pPr marL="1234439" indent="-320039">
+            <a:lvl3pPr marL="1234438" indent="-320038">
               <a:spcBef>
                 <a:spcPts val="600"/>
               </a:spcBef>
@@ -1565,7 +1565,7 @@
               <a:buNone/>
               <a:defRPr b="1" sz="2400"/>
             </a:lvl1pPr>
-            <a:lvl2pPr marL="0" indent="457200">
+            <a:lvl2pPr marL="0" indent="0">
               <a:spcBef>
                 <a:spcPts val="500"/>
               </a:spcBef>
@@ -1574,7 +1574,7 @@
               <a:buNone/>
               <a:defRPr b="1" sz="2400"/>
             </a:lvl2pPr>
-            <a:lvl3pPr marL="0" indent="914400">
+            <a:lvl3pPr marL="0" indent="0">
               <a:spcBef>
                 <a:spcPts val="500"/>
               </a:spcBef>
@@ -1583,7 +1583,7 @@
               <a:buNone/>
               <a:defRPr b="1" sz="2400"/>
             </a:lvl3pPr>
-            <a:lvl4pPr marL="0" indent="1371600">
+            <a:lvl4pPr marL="0" indent="0">
               <a:spcBef>
                 <a:spcPts val="500"/>
               </a:spcBef>
@@ -1592,7 +1592,7 @@
               <a:buNone/>
               <a:defRPr b="1" sz="2400"/>
             </a:lvl4pPr>
-            <a:lvl5pPr marL="0" indent="1828800">
+            <a:lvl5pPr marL="0" indent="0">
               <a:spcBef>
                 <a:spcPts val="500"/>
               </a:spcBef>
@@ -1644,8 +1644,8 @@
         </p:nvSpPr>
         <p:spPr>
           <a:xfrm>
-            <a:off x="4645025" y="1535112"/>
-            <a:ext cx="4041775" cy="639763"/>
+            <a:off x="4645025" y="1535111"/>
+            <a:ext cx="4041775" cy="639765"/>
           </a:xfrm>
           <a:prstGeom prst="rect">
             <a:avLst/>
@@ -1655,15 +1655,7 @@
           <a:bodyPr anchor="b"/>
           <a:lstStyle/>
           <a:p>
-            <a:pPr marL="0" indent="0">
-              <a:spcBef>
-                <a:spcPts val="500"/>
-              </a:spcBef>
-              <a:buSzTx/>
-              <a:buFontTx/>
-              <a:buNone/>
-              <a:defRPr b="1" sz="2400"/>
-            </a:pPr>
+            <a:pPr/>
           </a:p>
         </p:txBody>
       </p:sp>
@@ -1846,7 +1838,7 @@
         <p:spPr>
           <a:xfrm>
             <a:off x="457200" y="273050"/>
-            <a:ext cx="3008314" cy="1162050"/>
+            <a:ext cx="3008315" cy="1162050"/>
           </a:xfrm>
           <a:prstGeom prst="rect">
             <a:avLst/>
@@ -1929,8 +1921,8 @@
         </p:nvSpPr>
         <p:spPr>
           <a:xfrm>
-            <a:off x="457199" y="1435100"/>
-            <a:ext cx="3008315" cy="4691063"/>
+            <a:off x="457198" y="1435100"/>
+            <a:ext cx="3008316" cy="4691063"/>
           </a:xfrm>
           <a:prstGeom prst="rect">
             <a:avLst/>
@@ -1940,15 +1932,7 @@
           <a:bodyPr/>
           <a:lstStyle/>
           <a:p>
-            <a:pPr marL="0" indent="0">
-              <a:spcBef>
-                <a:spcPts val="300"/>
-              </a:spcBef>
-              <a:buSzTx/>
-              <a:buFontTx/>
-              <a:buNone/>
-              <a:defRPr sz="1400"/>
-            </a:pPr>
+            <a:pPr/>
           </a:p>
         </p:txBody>
       </p:sp>
@@ -2011,7 +1995,7 @@
         <p:spPr>
           <a:xfrm>
             <a:off x="1792288" y="4800600"/>
-            <a:ext cx="5486401" cy="566738"/>
+            <a:ext cx="5486402" cy="566738"/>
           </a:xfrm>
           <a:prstGeom prst="rect">
             <a:avLst/>
@@ -2043,14 +2027,14 @@
         <p:spPr>
           <a:xfrm>
             <a:off x="1792288" y="612775"/>
-            <a:ext cx="5486401" cy="4114800"/>
+            <a:ext cx="5486402" cy="4114800"/>
           </a:xfrm>
           <a:prstGeom prst="rect">
             <a:avLst/>
           </a:prstGeom>
         </p:spPr>
         <p:txBody>
-          <a:bodyPr lIns="91439" rIns="91439">
+          <a:bodyPr lIns="91439" tIns="45719" rIns="91439" bIns="45719">
             <a:noAutofit/>
           </a:bodyPr>
           <a:lstStyle/>
@@ -2070,7 +2054,7 @@
         <p:spPr>
           <a:xfrm>
             <a:off x="1792288" y="5367337"/>
-            <a:ext cx="5486401" cy="804863"/>
+            <a:ext cx="5486402" cy="804864"/>
           </a:xfrm>
           <a:prstGeom prst="rect">
             <a:avLst/>
@@ -2088,7 +2072,7 @@
               <a:buNone/>
               <a:defRPr sz="1400"/>
             </a:lvl1pPr>
-            <a:lvl2pPr marL="0" indent="457200">
+            <a:lvl2pPr marL="0" indent="0">
               <a:spcBef>
                 <a:spcPts val="300"/>
               </a:spcBef>
@@ -2097,7 +2081,7 @@
               <a:buNone/>
               <a:defRPr sz="1400"/>
             </a:lvl2pPr>
-            <a:lvl3pPr marL="0" indent="914400">
+            <a:lvl3pPr marL="0" indent="0">
               <a:spcBef>
                 <a:spcPts val="300"/>
               </a:spcBef>
@@ -2106,7 +2090,7 @@
               <a:buNone/>
               <a:defRPr sz="1400"/>
             </a:lvl3pPr>
-            <a:lvl4pPr marL="0" indent="1371600">
+            <a:lvl4pPr marL="0" indent="0">
               <a:spcBef>
                 <a:spcPts val="300"/>
               </a:spcBef>
@@ -2115,7 +2099,7 @@
               <a:buNone/>
               <a:defRPr sz="1400"/>
             </a:lvl4pPr>
-            <a:lvl5pPr marL="0" indent="1828800">
+            <a:lvl5pPr marL="0" indent="0">
               <a:spcBef>
                 <a:spcPts val="300"/>
               </a:spcBef>
@@ -2242,7 +2226,7 @@
           </a:extLst>
         </p:spPr>
         <p:txBody>
-          <a:bodyPr lIns="45719" rIns="45719" anchor="ctr">
+          <a:bodyPr lIns="45718" tIns="45718" rIns="45718" bIns="45718" anchor="ctr">
             <a:normAutofit fontScale="100000" lnSpcReduction="0"/>
           </a:bodyPr>
           <a:lstStyle/>
@@ -2280,7 +2264,7 @@
           </a:extLst>
         </p:spPr>
         <p:txBody>
-          <a:bodyPr lIns="45719" rIns="45719">
+          <a:bodyPr lIns="45718" tIns="45718" rIns="45718" bIns="45718">
             <a:normAutofit fontScale="100000" lnSpcReduction="0"/>
           </a:bodyPr>
           <a:lstStyle/>
@@ -2326,8 +2310,8 @@
         </p:nvSpPr>
         <p:spPr>
           <a:xfrm>
-            <a:off x="8422818" y="6404292"/>
-            <a:ext cx="263983" cy="269241"/>
+            <a:off x="8422821" y="6404293"/>
+            <a:ext cx="263980" cy="269239"/>
           </a:xfrm>
           <a:prstGeom prst="rect">
             <a:avLst/>
@@ -2337,7 +2321,7 @@
           </a:ln>
         </p:spPr>
         <p:txBody>
-          <a:bodyPr wrap="none" lIns="45719" rIns="45719" anchor="ctr">
+          <a:bodyPr wrap="none" lIns="45718" tIns="45718" rIns="45718" bIns="45718" anchor="ctr">
             <a:spAutoFit/>
           </a:bodyPr>
           <a:lstStyle>
@@ -2346,6 +2330,10 @@
                 <a:solidFill>
                   <a:srgbClr val="888888"/>
                 </a:solidFill>
+                <a:latin typeface="+mn-lt"/>
+                <a:ea typeface="+mn-ea"/>
+                <a:cs typeface="+mn-cs"/>
+                <a:sym typeface="Calibri"/>
               </a:defRPr>
             </a:lvl1pPr>
           </a:lstStyle>
@@ -2398,9 +2386,9 @@
             <a:srgbClr val="000000"/>
           </a:solidFill>
           <a:uFillTx/>
-          <a:latin typeface="+mj-lt"/>
-          <a:ea typeface="+mj-ea"/>
-          <a:cs typeface="+mj-cs"/>
+          <a:latin typeface="+mn-lt"/>
+          <a:ea typeface="+mn-ea"/>
+          <a:cs typeface="+mn-cs"/>
           <a:sym typeface="Calibri"/>
         </a:defRPr>
       </a:lvl1pPr>
@@ -2427,9 +2415,9 @@
             <a:srgbClr val="000000"/>
           </a:solidFill>
           <a:uFillTx/>
-          <a:latin typeface="+mj-lt"/>
-          <a:ea typeface="+mj-ea"/>
-          <a:cs typeface="+mj-cs"/>
+          <a:latin typeface="+mn-lt"/>
+          <a:ea typeface="+mn-ea"/>
+          <a:cs typeface="+mn-cs"/>
           <a:sym typeface="Calibri"/>
         </a:defRPr>
       </a:lvl2pPr>
@@ -2456,9 +2444,9 @@
             <a:srgbClr val="000000"/>
           </a:solidFill>
           <a:uFillTx/>
-          <a:latin typeface="+mj-lt"/>
-          <a:ea typeface="+mj-ea"/>
-          <a:cs typeface="+mj-cs"/>
+          <a:latin typeface="+mn-lt"/>
+          <a:ea typeface="+mn-ea"/>
+          <a:cs typeface="+mn-cs"/>
           <a:sym typeface="Calibri"/>
         </a:defRPr>
       </a:lvl3pPr>
@@ -2485,9 +2473,9 @@
             <a:srgbClr val="000000"/>
           </a:solidFill>
           <a:uFillTx/>
-          <a:latin typeface="+mj-lt"/>
-          <a:ea typeface="+mj-ea"/>
-          <a:cs typeface="+mj-cs"/>
+          <a:latin typeface="+mn-lt"/>
+          <a:ea typeface="+mn-ea"/>
+          <a:cs typeface="+mn-cs"/>
           <a:sym typeface="Calibri"/>
         </a:defRPr>
       </a:lvl4pPr>
@@ -2514,9 +2502,9 @@
             <a:srgbClr val="000000"/>
           </a:solidFill>
           <a:uFillTx/>
-          <a:latin typeface="+mj-lt"/>
-          <a:ea typeface="+mj-ea"/>
-          <a:cs typeface="+mj-cs"/>
+          <a:latin typeface="+mn-lt"/>
+          <a:ea typeface="+mn-ea"/>
+          <a:cs typeface="+mn-cs"/>
           <a:sym typeface="Calibri"/>
         </a:defRPr>
       </a:lvl5pPr>
@@ -2543,9 +2531,9 @@
             <a:srgbClr val="000000"/>
           </a:solidFill>
           <a:uFillTx/>
-          <a:latin typeface="+mj-lt"/>
-          <a:ea typeface="+mj-ea"/>
-          <a:cs typeface="+mj-cs"/>
+          <a:latin typeface="+mn-lt"/>
+          <a:ea typeface="+mn-ea"/>
+          <a:cs typeface="+mn-cs"/>
           <a:sym typeface="Calibri"/>
         </a:defRPr>
       </a:lvl6pPr>
@@ -2572,9 +2560,9 @@
             <a:srgbClr val="000000"/>
           </a:solidFill>
           <a:uFillTx/>
-          <a:latin typeface="+mj-lt"/>
-          <a:ea typeface="+mj-ea"/>
-          <a:cs typeface="+mj-cs"/>
+          <a:latin typeface="+mn-lt"/>
+          <a:ea typeface="+mn-ea"/>
+          <a:cs typeface="+mn-cs"/>
           <a:sym typeface="Calibri"/>
         </a:defRPr>
       </a:lvl7pPr>
@@ -2601,9 +2589,9 @@
             <a:srgbClr val="000000"/>
           </a:solidFill>
           <a:uFillTx/>
-          <a:latin typeface="+mj-lt"/>
-          <a:ea typeface="+mj-ea"/>
-          <a:cs typeface="+mj-cs"/>
+          <a:latin typeface="+mn-lt"/>
+          <a:ea typeface="+mn-ea"/>
+          <a:cs typeface="+mn-cs"/>
           <a:sym typeface="Calibri"/>
         </a:defRPr>
       </a:lvl8pPr>
@@ -2630,9 +2618,9 @@
             <a:srgbClr val="000000"/>
           </a:solidFill>
           <a:uFillTx/>
-          <a:latin typeface="+mj-lt"/>
-          <a:ea typeface="+mj-ea"/>
-          <a:cs typeface="+mj-cs"/>
+          <a:latin typeface="+mn-lt"/>
+          <a:ea typeface="+mn-ea"/>
+          <a:cs typeface="+mn-cs"/>
           <a:sym typeface="Calibri"/>
         </a:defRPr>
       </a:lvl9pPr>
@@ -2661,9 +2649,9 @@
             <a:srgbClr val="000000"/>
           </a:solidFill>
           <a:uFillTx/>
-          <a:latin typeface="+mj-lt"/>
-          <a:ea typeface="+mj-ea"/>
-          <a:cs typeface="+mj-cs"/>
+          <a:latin typeface="+mn-lt"/>
+          <a:ea typeface="+mn-ea"/>
+          <a:cs typeface="+mn-cs"/>
           <a:sym typeface="Calibri"/>
         </a:defRPr>
       </a:lvl1pPr>
@@ -2690,9 +2678,9 @@
             <a:srgbClr val="000000"/>
           </a:solidFill>
           <a:uFillTx/>
-          <a:latin typeface="+mj-lt"/>
-          <a:ea typeface="+mj-ea"/>
-          <a:cs typeface="+mj-cs"/>
+          <a:latin typeface="+mn-lt"/>
+          <a:ea typeface="+mn-ea"/>
+          <a:cs typeface="+mn-cs"/>
           <a:sym typeface="Calibri"/>
         </a:defRPr>
       </a:lvl2pPr>
@@ -2719,9 +2707,9 @@
             <a:srgbClr val="000000"/>
           </a:solidFill>
           <a:uFillTx/>
-          <a:latin typeface="+mj-lt"/>
-          <a:ea typeface="+mj-ea"/>
-          <a:cs typeface="+mj-cs"/>
+          <a:latin typeface="+mn-lt"/>
+          <a:ea typeface="+mn-ea"/>
+          <a:cs typeface="+mn-cs"/>
           <a:sym typeface="Calibri"/>
         </a:defRPr>
       </a:lvl3pPr>
@@ -2748,9 +2736,9 @@
             <a:srgbClr val="000000"/>
           </a:solidFill>
           <a:uFillTx/>
-          <a:latin typeface="+mj-lt"/>
-          <a:ea typeface="+mj-ea"/>
-          <a:cs typeface="+mj-cs"/>
+          <a:latin typeface="+mn-lt"/>
+          <a:ea typeface="+mn-ea"/>
+          <a:cs typeface="+mn-cs"/>
           <a:sym typeface="Calibri"/>
         </a:defRPr>
       </a:lvl4pPr>
@@ -2777,9 +2765,9 @@
             <a:srgbClr val="000000"/>
           </a:solidFill>
           <a:uFillTx/>
-          <a:latin typeface="+mj-lt"/>
-          <a:ea typeface="+mj-ea"/>
-          <a:cs typeface="+mj-cs"/>
+          <a:latin typeface="+mn-lt"/>
+          <a:ea typeface="+mn-ea"/>
+          <a:cs typeface="+mn-cs"/>
           <a:sym typeface="Calibri"/>
         </a:defRPr>
       </a:lvl5pPr>
@@ -2806,9 +2794,9 @@
             <a:srgbClr val="000000"/>
           </a:solidFill>
           <a:uFillTx/>
-          <a:latin typeface="+mj-lt"/>
-          <a:ea typeface="+mj-ea"/>
-          <a:cs typeface="+mj-cs"/>
+          <a:latin typeface="+mn-lt"/>
+          <a:ea typeface="+mn-ea"/>
+          <a:cs typeface="+mn-cs"/>
           <a:sym typeface="Calibri"/>
         </a:defRPr>
       </a:lvl6pPr>
@@ -2835,9 +2823,9 @@
             <a:srgbClr val="000000"/>
           </a:solidFill>
           <a:uFillTx/>
-          <a:latin typeface="+mj-lt"/>
-          <a:ea typeface="+mj-ea"/>
-          <a:cs typeface="+mj-cs"/>
+          <a:latin typeface="+mn-lt"/>
+          <a:ea typeface="+mn-ea"/>
+          <a:cs typeface="+mn-cs"/>
           <a:sym typeface="Calibri"/>
         </a:defRPr>
       </a:lvl7pPr>
@@ -2864,9 +2852,9 @@
             <a:srgbClr val="000000"/>
           </a:solidFill>
           <a:uFillTx/>
-          <a:latin typeface="+mj-lt"/>
-          <a:ea typeface="+mj-ea"/>
-          <a:cs typeface="+mj-cs"/>
+          <a:latin typeface="+mn-lt"/>
+          <a:ea typeface="+mn-ea"/>
+          <a:cs typeface="+mn-cs"/>
           <a:sym typeface="Calibri"/>
         </a:defRPr>
       </a:lvl8pPr>
@@ -2893,9 +2881,9 @@
             <a:srgbClr val="000000"/>
           </a:solidFill>
           <a:uFillTx/>
-          <a:latin typeface="+mj-lt"/>
-          <a:ea typeface="+mj-ea"/>
-          <a:cs typeface="+mj-cs"/>
+          <a:latin typeface="+mn-lt"/>
+          <a:ea typeface="+mn-ea"/>
+          <a:cs typeface="+mn-cs"/>
           <a:sym typeface="Calibri"/>
         </a:defRPr>
       </a:lvl9pPr>
@@ -2930,7 +2918,7 @@
           <a:sym typeface="Calibri"/>
         </a:defRPr>
       </a:lvl1pPr>
-      <a:lvl2pPr marL="0" marR="0" indent="457200" algn="r" defTabSz="914400" rtl="0" latinLnBrk="0">
+      <a:lvl2pPr marL="0" marR="0" indent="0" algn="r" defTabSz="914400" rtl="0" latinLnBrk="0">
         <a:lnSpc>
           <a:spcPct val="100000"/>
         </a:lnSpc>
@@ -2959,7 +2947,7 @@
           <a:sym typeface="Calibri"/>
         </a:defRPr>
       </a:lvl2pPr>
-      <a:lvl3pPr marL="0" marR="0" indent="914400" algn="r" defTabSz="914400" rtl="0" latinLnBrk="0">
+      <a:lvl3pPr marL="0" marR="0" indent="0" algn="r" defTabSz="914400" rtl="0" latinLnBrk="0">
         <a:lnSpc>
           <a:spcPct val="100000"/>
         </a:lnSpc>
@@ -2988,7 +2976,7 @@
           <a:sym typeface="Calibri"/>
         </a:defRPr>
       </a:lvl3pPr>
-      <a:lvl4pPr marL="0" marR="0" indent="1371600" algn="r" defTabSz="914400" rtl="0" latinLnBrk="0">
+      <a:lvl4pPr marL="0" marR="0" indent="0" algn="r" defTabSz="914400" rtl="0" latinLnBrk="0">
         <a:lnSpc>
           <a:spcPct val="100000"/>
         </a:lnSpc>
@@ -3017,7 +3005,7 @@
           <a:sym typeface="Calibri"/>
         </a:defRPr>
       </a:lvl4pPr>
-      <a:lvl5pPr marL="0" marR="0" indent="1828800" algn="r" defTabSz="914400" rtl="0" latinLnBrk="0">
+      <a:lvl5pPr marL="0" marR="0" indent="0" algn="r" defTabSz="914400" rtl="0" latinLnBrk="0">
         <a:lnSpc>
           <a:spcPct val="100000"/>
         </a:lnSpc>
@@ -3046,7 +3034,7 @@
           <a:sym typeface="Calibri"/>
         </a:defRPr>
       </a:lvl5pPr>
-      <a:lvl6pPr marL="0" marR="0" indent="2286000" algn="r" defTabSz="914400" rtl="0" latinLnBrk="0">
+      <a:lvl6pPr marL="0" marR="0" indent="0" algn="r" defTabSz="914400" rtl="0" latinLnBrk="0">
         <a:lnSpc>
           <a:spcPct val="100000"/>
         </a:lnSpc>
@@ -3075,7 +3063,7 @@
           <a:sym typeface="Calibri"/>
         </a:defRPr>
       </a:lvl6pPr>
-      <a:lvl7pPr marL="0" marR="0" indent="2743200" algn="r" defTabSz="914400" rtl="0" latinLnBrk="0">
+      <a:lvl7pPr marL="0" marR="0" indent="0" algn="r" defTabSz="914400" rtl="0" latinLnBrk="0">
         <a:lnSpc>
           <a:spcPct val="100000"/>
         </a:lnSpc>
@@ -3104,7 +3092,7 @@
           <a:sym typeface="Calibri"/>
         </a:defRPr>
       </a:lvl7pPr>
-      <a:lvl8pPr marL="0" marR="0" indent="3200400" algn="r" defTabSz="914400" rtl="0" latinLnBrk="0">
+      <a:lvl8pPr marL="0" marR="0" indent="0" algn="r" defTabSz="914400" rtl="0" latinLnBrk="0">
         <a:lnSpc>
           <a:spcPct val="100000"/>
         </a:lnSpc>
@@ -3133,7 +3121,7 @@
           <a:sym typeface="Calibri"/>
         </a:defRPr>
       </a:lvl8pPr>
-      <a:lvl9pPr marL="0" marR="0" indent="3657600" algn="r" defTabSz="914400" rtl="0" latinLnBrk="0">
+      <a:lvl9pPr marL="0" marR="0" indent="0" algn="r" defTabSz="914400" rtl="0" latinLnBrk="0">
         <a:lnSpc>
           <a:spcPct val="100000"/>
         </a:lnSpc>
@@ -3337,7 +3325,7 @@
       </p:sp>
       <p:pic>
         <p:nvPicPr>
-          <p:cNvPr id="154" name="image4.jpg" descr="C:\Users\Lazar\Desktop\01-red-question-mark1.jpg"/>
+          <p:cNvPr id="154" name="image1.jpeg" descr="C:\Users\Lazar\Desktop\01-red-question-mark1.jpg"/>
           <p:cNvPicPr>
             <a:picLocks noChangeAspect="1"/>
           </p:cNvPicPr>
@@ -3482,10 +3470,7 @@
               </a:defRPr>
             </a:pPr>
             <a:r>
-              <a:t>Инсталирайте </a:t>
-            </a:r>
-            <a:r>
-              <a:t>Google Chrome</a:t>
+              <a:t>Инсталирайте Google Chrome</a:t>
             </a:r>
           </a:p>
           <a:p>
@@ -3499,10 +3484,7 @@
               </a:defRPr>
             </a:pPr>
             <a:r>
-              <a:t>Инсталирайте </a:t>
-            </a:r>
-            <a:r>
-              <a:t>Mozilla Firefox</a:t>
+              <a:t>Инсталирайте Mozilla Firefox</a:t>
             </a:r>
           </a:p>
         </p:txBody>
@@ -3579,8 +3561,8 @@
         </p:nvSpPr>
         <p:spPr>
           <a:xfrm>
-            <a:off x="859755" y="1765300"/>
-            <a:ext cx="7424490" cy="4525963"/>
+            <a:off x="859754" y="1765300"/>
+            <a:ext cx="7424492" cy="4525963"/>
           </a:xfrm>
           <a:prstGeom prst="rect">
             <a:avLst/>
@@ -3604,14 +3586,7 @@
             <a:pPr>
               <a:buFont typeface="Wingdings"/>
               <a:buChar char="▪"/>
-              <a:defRPr>
-                <a:solidFill>
-                  <a:srgbClr val="F2F2F2"/>
-                </a:solidFill>
-              </a:defRPr>
-            </a:pPr>
-            <a:r>
-              <a:rPr u="sng">
+              <a:defRPr u="sng">
                 <a:solidFill>
                   <a:srgbClr val="0000FF"/>
                 </a:solidFill>
@@ -3620,26 +3595,34 @@
                     <a:srgbClr val="0000FF"/>
                   </a:solidFill>
                 </a:uFill>
+              </a:defRPr>
+            </a:pPr>
+            <a:r>
+              <a:rPr>
                 <a:hlinkClick r:id="rId2" invalidUrl="" action="" tgtFrame="" tooltip="" history="1" highlightClick="0" endSnd="0"/>
               </a:rPr>
               <a:t>https://developer.mozilla.org/</a:t>
             </a:r>
             <a:r>
+              <a:rPr u="none">
+                <a:solidFill>
+                  <a:srgbClr val="F2F2F2"/>
+                </a:solidFill>
+                <a:uFillTx/>
+              </a:rPr>
               <a:t> </a:t>
             </a:r>
+            <a:endParaRPr>
+              <a:solidFill>
+                <a:srgbClr val="F2F2F2"/>
+              </a:solidFill>
+            </a:endParaRPr>
           </a:p>
           <a:p>
             <a:pPr>
               <a:buFont typeface="Wingdings"/>
               <a:buChar char="▪"/>
-              <a:defRPr>
-                <a:solidFill>
-                  <a:srgbClr val="F2F2F2"/>
-                </a:solidFill>
-              </a:defRPr>
-            </a:pPr>
-            <a:r>
-              <a:rPr u="sng">
+              <a:defRPr u="sng">
                 <a:solidFill>
                   <a:srgbClr val="0000FF"/>
                 </a:solidFill>
@@ -3648,26 +3631,34 @@
                     <a:srgbClr val="0000FF"/>
                   </a:solidFill>
                 </a:uFill>
+              </a:defRPr>
+            </a:pPr>
+            <a:r>
+              <a:rPr>
                 <a:hlinkClick r:id="rId3" invalidUrl="" action="" tgtFrame="" tooltip="" history="1" highlightClick="0" endSnd="0"/>
               </a:rPr>
               <a:t>https://www.webplatform.org/</a:t>
             </a:r>
             <a:r>
+              <a:rPr u="none">
+                <a:solidFill>
+                  <a:srgbClr val="F2F2F2"/>
+                </a:solidFill>
+                <a:uFillTx/>
+              </a:rPr>
               <a:t> </a:t>
             </a:r>
+            <a:endParaRPr>
+              <a:solidFill>
+                <a:srgbClr val="F2F2F2"/>
+              </a:solidFill>
+            </a:endParaRPr>
           </a:p>
           <a:p>
             <a:pPr>
               <a:buFont typeface="Wingdings"/>
               <a:buChar char="▪"/>
-              <a:defRPr>
-                <a:solidFill>
-                  <a:srgbClr val="F2F2F2"/>
-                </a:solidFill>
-              </a:defRPr>
-            </a:pPr>
-            <a:r>
-              <a:rPr u="sng">
+              <a:defRPr u="sng">
                 <a:solidFill>
                   <a:srgbClr val="0000FF"/>
                 </a:solidFill>
@@ -3676,23 +3667,25 @@
                     <a:srgbClr val="0000FF"/>
                   </a:solidFill>
                 </a:uFill>
+              </a:defRPr>
+            </a:pPr>
+            <a:r>
+              <a:rPr>
                 <a:hlinkClick r:id="rId4" invalidUrl="" action="" tgtFrame="" tooltip="" history="1" highlightClick="0" endSnd="0"/>
               </a:rPr>
               <a:t>https://www.codeschool.com/</a:t>
             </a:r>
+            <a:endParaRPr>
+              <a:solidFill>
+                <a:srgbClr val="F2F2F2"/>
+              </a:solidFill>
+            </a:endParaRPr>
           </a:p>
           <a:p>
             <a:pPr>
               <a:buFont typeface="Wingdings"/>
               <a:buChar char="▪"/>
-              <a:defRPr>
-                <a:solidFill>
-                  <a:srgbClr val="F2F2F2"/>
-                </a:solidFill>
-              </a:defRPr>
-            </a:pPr>
-            <a:r>
-              <a:rPr strike="sngStrike" u="sng">
+              <a:defRPr strike="sngStrike" u="sng">
                 <a:solidFill>
                   <a:srgbClr val="0000FF"/>
                 </a:solidFill>
@@ -3701,11 +3694,21 @@
                     <a:srgbClr val="0000FF"/>
                   </a:solidFill>
                 </a:uFill>
+              </a:defRPr>
+            </a:pPr>
+            <a:r>
+              <a:rPr>
                 <a:hlinkClick r:id="rId5" invalidUrl="" action="" tgtFrame="" tooltip="" history="1" highlightClick="0" endSnd="0"/>
               </a:rPr>
               <a:t>http://www.w3schools.com/</a:t>
             </a:r>
             <a:r>
+              <a:rPr strike="noStrike" u="none">
+                <a:solidFill>
+                  <a:srgbClr val="F2F2F2"/>
+                </a:solidFill>
+                <a:uFillTx/>
+              </a:rPr>
               <a:t> </a:t>
             </a:r>
           </a:p>
@@ -3775,7 +3778,7 @@
       </p:sp>
       <p:pic>
         <p:nvPicPr>
-          <p:cNvPr id="125" name="image3.png"/>
+          <p:cNvPr id="125" name="image2.png"/>
           <p:cNvPicPr>
             <a:picLocks noChangeAspect="1"/>
           </p:cNvPicPr>
@@ -3792,7 +3795,7 @@
         <p:spPr>
           <a:xfrm>
             <a:off x="1188045" y="1840931"/>
-            <a:ext cx="6767932" cy="4060759"/>
+            <a:ext cx="6767932" cy="4060760"/>
           </a:xfrm>
           <a:prstGeom prst="rect">
             <a:avLst/>
@@ -3811,7 +3814,7 @@
         <p:spPr>
           <a:xfrm>
             <a:off x="1568129" y="6269773"/>
-            <a:ext cx="7268541" cy="358141"/>
+            <a:ext cx="7268538" cy="358139"/>
           </a:xfrm>
           <a:prstGeom prst="rect">
             <a:avLst/>
@@ -3826,7 +3829,7 @@
           </a:extLst>
         </p:spPr>
         <p:txBody>
-          <a:bodyPr wrap="none" lIns="45719" rIns="45719">
+          <a:bodyPr wrap="none" lIns="45718" tIns="45718" rIns="45718" bIns="45718">
             <a:spAutoFit/>
           </a:bodyPr>
           <a:lstStyle>
@@ -3840,29 +3843,18 @@
                     <a:srgbClr val="0000FF"/>
                   </a:solidFill>
                 </a:uFill>
+                <a:latin typeface="+mn-lt"/>
+                <a:ea typeface="+mn-ea"/>
+                <a:cs typeface="+mn-cs"/>
+                <a:sym typeface="Calibri"/>
                 <a:hlinkClick r:id="rId3" invalidUrl="" action="" tgtFrame="" tooltip="" history="1" highlightClick="0" endSnd="0"/>
               </a:defRPr>
             </a:lvl1pPr>
           </a:lstStyle>
           <a:p>
-            <a:pPr>
-              <a:defRPr u="none">
-                <a:solidFill>
-                  <a:srgbClr val="000000"/>
-                </a:solidFill>
-                <a:uFillTx/>
-              </a:defRPr>
-            </a:pPr>
-            <a:r>
-              <a:rPr u="sng">
-                <a:solidFill>
-                  <a:srgbClr val="0000FF"/>
-                </a:solidFill>
-                <a:uFill>
-                  <a:solidFill>
-                    <a:srgbClr val="0000FF"/>
-                  </a:solidFill>
-                </a:uFill>
+            <a:pPr/>
+            <a:r>
+              <a:rPr>
                 <a:hlinkClick r:id="rId3" invalidUrl="" action="" tgtFrame="" tooltip="" history="1" highlightClick="0" endSnd="0"/>
               </a:rPr>
               <a:t>https://developer.mozilla.org/en-US/Learn/How_the_Internet_works</a:t>
@@ -3942,8 +3934,8 @@
         </p:nvSpPr>
         <p:spPr>
           <a:xfrm>
-            <a:off x="812800" y="1676400"/>
-            <a:ext cx="7848600" cy="4054972"/>
+            <a:off x="812800" y="1676399"/>
+            <a:ext cx="7848600" cy="4054973"/>
           </a:xfrm>
           <a:prstGeom prst="rect">
             <a:avLst/>
@@ -4029,10 +4021,7 @@
               </a:defRPr>
             </a:pPr>
             <a:r>
-              <a:t>(S)</a:t>
-            </a:r>
-            <a:r>
-              <a:t>FTP</a:t>
+              <a:t>(S)FTP</a:t>
             </a:r>
           </a:p>
           <a:p>
@@ -4185,8 +4174,8 @@
         </p:nvSpPr>
         <p:spPr>
           <a:xfrm>
-            <a:off x="2602533" y="6050768"/>
-            <a:ext cx="6346361" cy="624841"/>
+            <a:off x="2602532" y="6050767"/>
+            <a:ext cx="6346363" cy="624839"/>
           </a:xfrm>
           <a:prstGeom prst="rect">
             <a:avLst/>
@@ -4201,7 +4190,7 @@
           </a:extLst>
         </p:spPr>
         <p:txBody>
-          <a:bodyPr lIns="45719" rIns="45719">
+          <a:bodyPr lIns="45718" tIns="45718" rIns="45718" bIns="45718">
             <a:spAutoFit/>
           </a:bodyPr>
           <a:lstStyle>
@@ -4215,29 +4204,18 @@
                     <a:srgbClr val="0000FF"/>
                   </a:solidFill>
                 </a:uFill>
+                <a:latin typeface="+mn-lt"/>
+                <a:ea typeface="+mn-ea"/>
+                <a:cs typeface="+mn-cs"/>
+                <a:sym typeface="Calibri"/>
                 <a:hlinkClick r:id="rId2" invalidUrl="" action="" tgtFrame="" tooltip="" history="1" highlightClick="0" endSnd="0"/>
               </a:defRPr>
             </a:lvl1pPr>
           </a:lstStyle>
           <a:p>
-            <a:pPr>
-              <a:defRPr u="none">
-                <a:solidFill>
-                  <a:srgbClr val="FAFAFA"/>
-                </a:solidFill>
-                <a:uFillTx/>
-              </a:defRPr>
-            </a:pPr>
-            <a:r>
-              <a:rPr u="sng">
-                <a:solidFill>
-                  <a:srgbClr val="0000FF"/>
-                </a:solidFill>
-                <a:uFill>
-                  <a:solidFill>
-                    <a:srgbClr val="0000FF"/>
-                  </a:solidFill>
-                </a:uFill>
+            <a:pPr/>
+            <a:r>
+              <a:rPr>
                 <a:hlinkClick r:id="rId2" invalidUrl="" action="" tgtFrame="" tooltip="" history="1" highlightClick="0" endSnd="0"/>
               </a:rPr>
               <a:t>https://developer.mozilla.org/en-US/Learn/Getting_started_with_the_web/How_the_Web_works</a:t>
@@ -4334,7 +4312,7 @@
       </p:sp>
       <p:pic>
         <p:nvPicPr>
-          <p:cNvPr id="134" name="image4.jpg" descr="C:\Users\Lazar\Desktop\01-red-question-mark1.jpg"/>
+          <p:cNvPr id="134" name="image1.jpeg" descr="C:\Users\Lazar\Desktop\01-red-question-mark1.jpg"/>
           <p:cNvPicPr>
             <a:picLocks noChangeAspect="1"/>
           </p:cNvPicPr>
@@ -4432,7 +4410,7 @@
         <p:spPr>
           <a:xfrm>
             <a:off x="1045388" y="2297176"/>
-            <a:ext cx="6680162" cy="1696213"/>
+            <a:ext cx="6680163" cy="1120139"/>
           </a:xfrm>
           <a:prstGeom prst="rect">
             <a:avLst/>
@@ -4447,7 +4425,7 @@
           </a:extLst>
         </p:spPr>
         <p:txBody>
-          <a:bodyPr lIns="45719" rIns="45719">
+          <a:bodyPr lIns="45718" tIns="45718" rIns="45718" bIns="45718">
             <a:spAutoFit/>
           </a:bodyPr>
           <a:lstStyle/>
@@ -4463,6 +4441,10 @@
                 <a:solidFill>
                   <a:srgbClr val="F2F2F2"/>
                 </a:solidFill>
+                <a:latin typeface="+mn-lt"/>
+                <a:ea typeface="+mn-ea"/>
+                <a:cs typeface="+mn-cs"/>
+                <a:sym typeface="Calibri"/>
               </a:defRPr>
             </a:pPr>
             <a:r>
@@ -4481,6 +4463,10 @@
                 <a:solidFill>
                   <a:srgbClr val="F2F2F2"/>
                 </a:solidFill>
+                <a:latin typeface="+mn-lt"/>
+                <a:ea typeface="+mn-ea"/>
+                <a:cs typeface="+mn-cs"/>
+                <a:sym typeface="Calibri"/>
               </a:defRPr>
             </a:pPr>
             <a:r>
@@ -4729,7 +4715,7 @@
       </p:sp>
       <p:pic>
         <p:nvPicPr>
-          <p:cNvPr id="144" name="image4.jpg" descr="C:\Users\Lazar\Desktop\01-red-question-mark1.jpg"/>
+          <p:cNvPr id="144" name="image1.jpeg" descr="C:\Users\Lazar\Desktop\01-red-question-mark1.jpg"/>
           <p:cNvPicPr>
             <a:picLocks noChangeAspect="1"/>
           </p:cNvPicPr>
@@ -4839,13 +4825,13 @@
           <a:bodyPr/>
           <a:lstStyle/>
           <a:p>
-            <a:pPr marL="312039" indent="-312039" defTabSz="832104">
+            <a:pPr marL="305798" indent="-305798" defTabSz="815461">
               <a:spcBef>
-                <a:spcPts val="600"/>
+                <a:spcPts val="500"/>
               </a:spcBef>
               <a:buFont typeface="Wingdings"/>
               <a:buChar char="▪"/>
-              <a:defRPr sz="2184">
+              <a:defRPr sz="2058">
                 <a:solidFill>
                   <a:srgbClr val="F2F2F2"/>
                 </a:solidFill>
@@ -4856,13 +4842,13 @@
             </a:r>
           </a:p>
           <a:p>
-            <a:pPr lvl="1" marL="728091" indent="-312039" defTabSz="832104">
+            <a:pPr lvl="1" marL="713529" indent="-305798" defTabSz="815461">
               <a:spcBef>
-                <a:spcPts val="600"/>
+                <a:spcPts val="500"/>
               </a:spcBef>
               <a:buFont typeface="Wingdings"/>
               <a:buChar char="▪"/>
-              <a:defRPr sz="2184">
+              <a:defRPr sz="2058">
                 <a:solidFill>
                   <a:srgbClr val="F2F2F2"/>
                 </a:solidFill>
@@ -4873,13 +4859,13 @@
             </a:r>
           </a:p>
           <a:p>
-            <a:pPr lvl="1" marL="728091" indent="-312039" defTabSz="832104">
+            <a:pPr lvl="1" marL="713529" indent="-305798" defTabSz="815461">
               <a:spcBef>
-                <a:spcPts val="600"/>
+                <a:spcPts val="500"/>
               </a:spcBef>
               <a:buFont typeface="Wingdings"/>
               <a:buChar char="▪"/>
-              <a:defRPr sz="2184">
+              <a:defRPr sz="2058">
                 <a:solidFill>
                   <a:srgbClr val="F2F2F2"/>
                 </a:solidFill>
@@ -4890,33 +4876,30 @@
             </a:r>
           </a:p>
           <a:p>
-            <a:pPr lvl="1" marL="728091" indent="-312039" defTabSz="832104">
+            <a:pPr lvl="1" marL="713529" indent="-305798" defTabSz="815461">
               <a:spcBef>
-                <a:spcPts val="600"/>
+                <a:spcPts val="500"/>
               </a:spcBef>
               <a:buFont typeface="Wingdings"/>
               <a:buChar char="▪"/>
-              <a:defRPr sz="2184">
+              <a:defRPr sz="2058">
                 <a:solidFill>
                   <a:srgbClr val="F2F2F2"/>
                 </a:solidFill>
               </a:defRPr>
             </a:pPr>
             <a:r>
-              <a:t>Safari/Opera(</a:t>
-            </a:r>
-            <a:r>
-              <a:t>по желание)</a:t>
-            </a:r>
-          </a:p>
-          <a:p>
-            <a:pPr lvl="1" marL="728091" indent="-312039" defTabSz="832104">
+              <a:t>Safari/Opera(по желание)</a:t>
+            </a:r>
+          </a:p>
+          <a:p>
+            <a:pPr lvl="1" marL="713529" indent="-305798" defTabSz="815461">
               <a:spcBef>
-                <a:spcPts val="600"/>
+                <a:spcPts val="500"/>
               </a:spcBef>
               <a:buFont typeface="Wingdings"/>
               <a:buChar char="▪"/>
-              <a:defRPr sz="2184">
+              <a:defRPr sz="2058">
                 <a:solidFill>
                   <a:srgbClr val="F2F2F2"/>
                 </a:solidFill>
@@ -4927,13 +4910,13 @@
             </a:r>
           </a:p>
           <a:p>
-            <a:pPr marL="312039" indent="-312039" defTabSz="832104">
+            <a:pPr marL="305798" indent="-305798" defTabSz="815461">
               <a:spcBef>
-                <a:spcPts val="600"/>
+                <a:spcPts val="500"/>
               </a:spcBef>
               <a:buFont typeface="Wingdings"/>
               <a:buChar char="▪"/>
-              <a:defRPr sz="2184">
+              <a:defRPr sz="2058">
                 <a:solidFill>
                   <a:srgbClr val="F2F2F2"/>
                 </a:solidFill>
@@ -4944,20 +4927,13 @@
             </a:r>
           </a:p>
           <a:p>
-            <a:pPr lvl="1" marL="728091" indent="-312039" defTabSz="832104">
+            <a:pPr lvl="1" marL="713529" indent="-305798" defTabSz="815461">
               <a:spcBef>
-                <a:spcPts val="600"/>
+                <a:spcPts val="500"/>
               </a:spcBef>
               <a:buFont typeface="Wingdings"/>
               <a:buChar char="▪"/>
-              <a:defRPr sz="2184">
-                <a:solidFill>
-                  <a:srgbClr val="F2F2F2"/>
-                </a:solidFill>
-              </a:defRPr>
-            </a:pPr>
-            <a:r>
-              <a:rPr u="sng">
+              <a:defRPr sz="2058" u="sng">
                 <a:solidFill>
                   <a:srgbClr val="0000FF"/>
                 </a:solidFill>
@@ -4966,26 +4942,28 @@
                     <a:srgbClr val="0000FF"/>
                   </a:solidFill>
                 </a:uFill>
+              </a:defRPr>
+            </a:pPr>
+            <a:r>
+              <a:rPr>
                 <a:hlinkClick r:id="rId2" invalidUrl="" action="" tgtFrame="" tooltip="" history="1" highlightClick="0" endSnd="0"/>
               </a:rPr>
               <a:t>https://code.visualstudio.com/</a:t>
             </a:r>
-          </a:p>
-          <a:p>
-            <a:pPr lvl="1" marL="728091" indent="-312039" defTabSz="832104">
+            <a:endParaRPr>
+              <a:solidFill>
+                <a:srgbClr val="F2F2F2"/>
+              </a:solidFill>
+            </a:endParaRPr>
+          </a:p>
+          <a:p>
+            <a:pPr lvl="1" marL="713529" indent="-305798" defTabSz="815461">
               <a:spcBef>
-                <a:spcPts val="600"/>
+                <a:spcPts val="500"/>
               </a:spcBef>
               <a:buFont typeface="Wingdings"/>
               <a:buChar char="▪"/>
-              <a:defRPr sz="2184">
-                <a:solidFill>
-                  <a:srgbClr val="F2F2F2"/>
-                </a:solidFill>
-              </a:defRPr>
-            </a:pPr>
-            <a:r>
-              <a:rPr u="sng">
+              <a:defRPr sz="2058" u="sng">
                 <a:solidFill>
                   <a:srgbClr val="0000FF"/>
                 </a:solidFill>
@@ -4994,26 +4972,28 @@
                     <a:srgbClr val="0000FF"/>
                   </a:solidFill>
                 </a:uFill>
+              </a:defRPr>
+            </a:pPr>
+            <a:r>
+              <a:rPr>
                 <a:hlinkClick r:id="rId3" invalidUrl="" action="" tgtFrame="" tooltip="" history="1" highlightClick="0" endSnd="0"/>
               </a:rPr>
               <a:t>http://www.sublimetext.com/3</a:t>
             </a:r>
-          </a:p>
-          <a:p>
-            <a:pPr lvl="1" marL="728091" indent="-312039" defTabSz="832104">
+            <a:endParaRPr>
+              <a:solidFill>
+                <a:srgbClr val="F2F2F2"/>
+              </a:solidFill>
+            </a:endParaRPr>
+          </a:p>
+          <a:p>
+            <a:pPr lvl="1" marL="713529" indent="-305798" defTabSz="815461">
               <a:spcBef>
-                <a:spcPts val="600"/>
+                <a:spcPts val="500"/>
               </a:spcBef>
               <a:buFont typeface="Wingdings"/>
               <a:buChar char="▪"/>
-              <a:defRPr sz="2184">
-                <a:solidFill>
-                  <a:srgbClr val="F2F2F2"/>
-                </a:solidFill>
-              </a:defRPr>
-            </a:pPr>
-            <a:r>
-              <a:rPr u="sng">
+              <a:defRPr sz="2058" u="sng">
                 <a:solidFill>
                   <a:srgbClr val="0000FF"/>
                 </a:solidFill>
@@ -5022,32 +5002,38 @@
                     <a:srgbClr val="0000FF"/>
                   </a:solidFill>
                 </a:uFill>
+              </a:defRPr>
+            </a:pPr>
+            <a:r>
+              <a:rPr>
                 <a:hlinkClick r:id="rId4" invalidUrl="" action="" tgtFrame="" tooltip="" history="1" highlightClick="0" endSnd="0"/>
               </a:rPr>
               <a:t>http://brackets.io/</a:t>
             </a:r>
             <a:r>
+              <a:rPr u="none">
+                <a:solidFill>
+                  <a:srgbClr val="F2F2F2"/>
+                </a:solidFill>
+                <a:uFillTx/>
+              </a:rPr>
               <a:t> </a:t>
             </a:r>
-          </a:p>
-          <a:p>
-            <a:pPr lvl="1" marL="728091" indent="-312039" defTabSz="832104">
+            <a:endParaRPr u="none">
+              <a:solidFill>
+                <a:srgbClr val="F2F2F2"/>
+              </a:solidFill>
+              <a:uFillTx/>
+            </a:endParaRPr>
+          </a:p>
+          <a:p>
+            <a:pPr lvl="1" marL="713529" indent="-305798" defTabSz="815461">
               <a:spcBef>
-                <a:spcPts val="600"/>
+                <a:spcPts val="500"/>
               </a:spcBef>
               <a:buFont typeface="Wingdings"/>
               <a:buChar char="▪"/>
-              <a:defRPr sz="2184">
-                <a:solidFill>
-                  <a:srgbClr val="F2F2F2"/>
-                </a:solidFill>
-              </a:defRPr>
-            </a:pPr>
-            <a:r>
-              <a:t>други </a:t>
-            </a:r>
-            <a:r>
-              <a:rPr u="sng">
+              <a:defRPr sz="2058" u="sng">
                 <a:solidFill>
                   <a:srgbClr val="0000FF"/>
                 </a:solidFill>
@@ -5056,7 +5042,56 @@
                     <a:srgbClr val="0000FF"/>
                   </a:solidFill>
                 </a:uFill>
+              </a:defRPr>
+            </a:pPr>
+            <a:r>
+              <a:rPr>
                 <a:hlinkClick r:id="rId5" invalidUrl="" action="" tgtFrame="" tooltip="" history="1" highlightClick="0" endSnd="0"/>
+              </a:rPr>
+              <a:t>https://atom.io/</a:t>
+            </a:r>
+            <a:r>
+              <a:rPr u="none">
+                <a:solidFill>
+                  <a:srgbClr val="F2F2F2"/>
+                </a:solidFill>
+                <a:uFillTx/>
+              </a:rPr>
+              <a:t> </a:t>
+            </a:r>
+            <a:endParaRPr>
+              <a:solidFill>
+                <a:srgbClr val="F2F2F2"/>
+              </a:solidFill>
+            </a:endParaRPr>
+          </a:p>
+          <a:p>
+            <a:pPr lvl="1" marL="713529" indent="-305798" defTabSz="815461">
+              <a:spcBef>
+                <a:spcPts val="500"/>
+              </a:spcBef>
+              <a:buFont typeface="Wingdings"/>
+              <a:buChar char="▪"/>
+              <a:defRPr sz="2058">
+                <a:solidFill>
+                  <a:srgbClr val="F2F2F2"/>
+                </a:solidFill>
+              </a:defRPr>
+            </a:pPr>
+            <a:r>
+              <a:t>други </a:t>
+            </a:r>
+            <a:r>
+              <a:rPr u="sng">
+                <a:solidFill>
+                  <a:srgbClr val="0000FF"/>
+                </a:solidFill>
+                <a:uFill>
+                  <a:solidFill>
+                    <a:srgbClr val="0000FF"/>
+                  </a:solidFill>
+                </a:uFill>
+                <a:hlinkClick r:id="rId6" invalidUrl="" action="" tgtFrame="" tooltip="" history="1" highlightClick="0" endSnd="0"/>
               </a:rPr>
               <a:t>https://developer.mozilla.org/en-US/Learn/Choose,_Install_and_set_up_a_text_editor</a:t>
             </a:r>
@@ -5222,14 +5257,7 @@
             <a:pPr lvl="1" marL="800100" indent="-342900">
               <a:buFont typeface="Wingdings"/>
               <a:buChar char="▪"/>
-              <a:defRPr sz="2400">
-                <a:solidFill>
-                  <a:srgbClr val="F2F2F2"/>
-                </a:solidFill>
-              </a:defRPr>
-            </a:pPr>
-            <a:r>
-              <a:rPr u="sng">
+              <a:defRPr sz="2400" u="sng">
                 <a:solidFill>
                   <a:srgbClr val="0000FF"/>
                 </a:solidFill>
@@ -5238,10 +5266,19 @@
                     <a:srgbClr val="0000FF"/>
                   </a:solidFill>
                 </a:uFill>
+              </a:defRPr>
+            </a:pPr>
+            <a:r>
+              <a:rPr>
                 <a:hlinkClick r:id="rId2" invalidUrl="" action="" tgtFrame="" tooltip="" history="1" highlightClick="0" endSnd="0"/>
               </a:rPr>
               <a:t>https://filezilla-project.org/</a:t>
             </a:r>
+            <a:endParaRPr>
+              <a:solidFill>
+                <a:srgbClr val="F2F2F2"/>
+              </a:solidFill>
+            </a:endParaRPr>
           </a:p>
           <a:p>
             <a:pPr>
@@ -5325,14 +5362,14 @@
     </a:clrScheme>
     <a:fontScheme name="Office Theme">
       <a:majorFont>
+        <a:latin typeface="Helvetica"/>
+        <a:ea typeface="Helvetica"/>
+        <a:cs typeface="Helvetica"/>
+      </a:majorFont>
+      <a:minorFont>
         <a:latin typeface="Calibri"/>
         <a:ea typeface="Calibri"/>
         <a:cs typeface="Calibri"/>
-      </a:majorFont>
-      <a:minorFont>
-        <a:latin typeface="Helvetica"/>
-        <a:ea typeface="Helvetica"/>
-        <a:cs typeface="Helvetica"/>
       </a:minorFont>
     </a:fontScheme>
     <a:fmtScheme name="Office Theme">
@@ -5427,9 +5464,9 @@
         </a:effectStyle>
         <a:effectStyle>
           <a:effectLst>
-            <a:outerShdw sx="100000" sy="100000" kx="0" ky="0" algn="b" rotWithShape="0" blurRad="38100" dist="20000" dir="5400000">
+            <a:outerShdw sx="100000" sy="100000" kx="0" ky="0" algn="b" rotWithShape="0" blurRad="38100" dist="23000" dir="5400000">
               <a:srgbClr val="000000">
-                <a:alpha val="38000"/>
+                <a:alpha val="35000"/>
               </a:srgbClr>
             </a:outerShdw>
           </a:effectLst>
@@ -5509,7 +5546,7 @@
         </a:effectLst>
         <a:sp3d/>
       </a:spPr>
-      <a:bodyPr rot="0" spcFirstLastPara="1" vertOverflow="overflow" horzOverflow="overflow" vert="horz" wrap="square" lIns="45719" tIns="45719" rIns="45719" bIns="45719" numCol="1" spcCol="38100" rtlCol="0" anchor="ctr" upright="0">
+      <a:bodyPr rot="0" spcFirstLastPara="1" vertOverflow="overflow" horzOverflow="overflow" vert="horz" wrap="square" lIns="45718" tIns="45718" rIns="45718" bIns="45718" numCol="1" spcCol="38100" rtlCol="0" anchor="ctr" upright="0">
         <a:spAutoFit/>
       </a:bodyPr>
       <a:lstStyle>
@@ -5540,7 +5577,7 @@
             <a:latin typeface="+mj-lt"/>
             <a:ea typeface="+mj-ea"/>
             <a:cs typeface="+mj-cs"/>
-            <a:sym typeface="Calibri"/>
+            <a:sym typeface="Helvetica"/>
           </a:defRPr>
         </a:defPPr>
         <a:lvl1pPr marL="0" marR="0" indent="0" algn="l" defTabSz="914400" rtl="0" fontAlgn="auto" latinLnBrk="1" hangingPunct="0">
@@ -5796,9 +5833,9 @@
           <a:round/>
         </a:ln>
         <a:effectLst>
-          <a:outerShdw sx="100000" sy="100000" kx="0" ky="0" algn="b" rotWithShape="0" blurRad="38100" dist="20000" dir="5400000">
+          <a:outerShdw sx="100000" sy="100000" kx="0" ky="0" algn="b" rotWithShape="0" blurRad="38100" dist="23000" dir="5400000">
             <a:srgbClr val="000000">
-              <a:alpha val="38000"/>
+              <a:alpha val="35000"/>
             </a:srgbClr>
           </a:outerShdw>
         </a:effectLst>
@@ -6086,7 +6123,7 @@
         <a:effectLst/>
         <a:sp3d/>
       </a:spPr>
-      <a:bodyPr rot="0" spcFirstLastPara="1" vertOverflow="overflow" horzOverflow="overflow" vert="horz" wrap="square" lIns="45719" tIns="45719" rIns="45719" bIns="45719" numCol="1" spcCol="38100" rtlCol="0" anchor="t" upright="0">
+      <a:bodyPr rot="0" spcFirstLastPara="1" vertOverflow="overflow" horzOverflow="overflow" vert="horz" wrap="square" lIns="45718" tIns="45718" rIns="45718" bIns="45718" numCol="1" spcCol="38100" rtlCol="0" anchor="t" upright="0">
         <a:spAutoFit/>
       </a:bodyPr>
       <a:lstStyle>
@@ -6117,7 +6154,7 @@
             <a:latin typeface="+mj-lt"/>
             <a:ea typeface="+mj-ea"/>
             <a:cs typeface="+mj-cs"/>
-            <a:sym typeface="Calibri"/>
+            <a:sym typeface="Helvetica"/>
           </a:defRPr>
         </a:defPPr>
         <a:lvl1pPr marL="0" marR="0" indent="0" algn="l" defTabSz="914400" rtl="0" fontAlgn="auto" latinLnBrk="1" hangingPunct="0">
@@ -6409,14 +6446,14 @@
     </a:clrScheme>
     <a:fontScheme name="Office Theme">
       <a:majorFont>
+        <a:latin typeface="Helvetica"/>
+        <a:ea typeface="Helvetica"/>
+        <a:cs typeface="Helvetica"/>
+      </a:majorFont>
+      <a:minorFont>
         <a:latin typeface="Calibri"/>
         <a:ea typeface="Calibri"/>
         <a:cs typeface="Calibri"/>
-      </a:majorFont>
-      <a:minorFont>
-        <a:latin typeface="Helvetica"/>
-        <a:ea typeface="Helvetica"/>
-        <a:cs typeface="Helvetica"/>
       </a:minorFont>
     </a:fontScheme>
     <a:fmtScheme name="Office Theme">
@@ -6511,9 +6548,9 @@
         </a:effectStyle>
         <a:effectStyle>
           <a:effectLst>
-            <a:outerShdw sx="100000" sy="100000" kx="0" ky="0" algn="b" rotWithShape="0" blurRad="38100" dist="20000" dir="5400000">
+            <a:outerShdw sx="100000" sy="100000" kx="0" ky="0" algn="b" rotWithShape="0" blurRad="38100" dist="23000" dir="5400000">
               <a:srgbClr val="000000">
-                <a:alpha val="38000"/>
+                <a:alpha val="35000"/>
               </a:srgbClr>
             </a:outerShdw>
           </a:effectLst>
@@ -6593,7 +6630,7 @@
         </a:effectLst>
         <a:sp3d/>
       </a:spPr>
-      <a:bodyPr rot="0" spcFirstLastPara="1" vertOverflow="overflow" horzOverflow="overflow" vert="horz" wrap="square" lIns="45719" tIns="45719" rIns="45719" bIns="45719" numCol="1" spcCol="38100" rtlCol="0" anchor="ctr" upright="0">
+      <a:bodyPr rot="0" spcFirstLastPara="1" vertOverflow="overflow" horzOverflow="overflow" vert="horz" wrap="square" lIns="45718" tIns="45718" rIns="45718" bIns="45718" numCol="1" spcCol="38100" rtlCol="0" anchor="ctr" upright="0">
         <a:spAutoFit/>
       </a:bodyPr>
       <a:lstStyle>
@@ -6624,7 +6661,7 @@
             <a:latin typeface="+mj-lt"/>
             <a:ea typeface="+mj-ea"/>
             <a:cs typeface="+mj-cs"/>
-            <a:sym typeface="Calibri"/>
+            <a:sym typeface="Helvetica"/>
           </a:defRPr>
         </a:defPPr>
         <a:lvl1pPr marL="0" marR="0" indent="0" algn="l" defTabSz="914400" rtl="0" fontAlgn="auto" latinLnBrk="1" hangingPunct="0">
@@ -6880,9 +6917,9 @@
           <a:round/>
         </a:ln>
         <a:effectLst>
-          <a:outerShdw sx="100000" sy="100000" kx="0" ky="0" algn="b" rotWithShape="0" blurRad="38100" dist="20000" dir="5400000">
+          <a:outerShdw sx="100000" sy="100000" kx="0" ky="0" algn="b" rotWithShape="0" blurRad="38100" dist="23000" dir="5400000">
             <a:srgbClr val="000000">
-              <a:alpha val="38000"/>
+              <a:alpha val="35000"/>
             </a:srgbClr>
           </a:outerShdw>
         </a:effectLst>
@@ -7170,7 +7207,7 @@
         <a:effectLst/>
         <a:sp3d/>
       </a:spPr>
-      <a:bodyPr rot="0" spcFirstLastPara="1" vertOverflow="overflow" horzOverflow="overflow" vert="horz" wrap="square" lIns="45719" tIns="45719" rIns="45719" bIns="45719" numCol="1" spcCol="38100" rtlCol="0" anchor="t" upright="0">
+      <a:bodyPr rot="0" spcFirstLastPara="1" vertOverflow="overflow" horzOverflow="overflow" vert="horz" wrap="square" lIns="45718" tIns="45718" rIns="45718" bIns="45718" numCol="1" spcCol="38100" rtlCol="0" anchor="t" upright="0">
         <a:spAutoFit/>
       </a:bodyPr>
       <a:lstStyle>
@@ -7201,7 +7238,7 @@
             <a:latin typeface="+mj-lt"/>
             <a:ea typeface="+mj-ea"/>
             <a:cs typeface="+mj-cs"/>
-            <a:sym typeface="Calibri"/>
+            <a:sym typeface="Helvetica"/>
           </a:defRPr>
         </a:defPPr>
         <a:lvl1pPr marL="0" marR="0" indent="0" algn="l" defTabSz="914400" rtl="0" fontAlgn="auto" latinLnBrk="1" hangingPunct="0">
